--- a/images/record/Kubernetes_kubeadm_external_cloud_provider_Ubuntu_18.04_OpenStack/Kubernetes_Install.pptx
+++ b/images/record/Kubernetes_kubeadm_external_cloud_provider_Ubuntu_18.04_OpenStack/Kubernetes_Install.pptx
@@ -214,7 +214,7 @@
           <a:p>
             <a:fld id="{6CD5550B-26C4-49A9-A5BA-636EF7BE6CE9}" type="datetimeFigureOut">
               <a:rPr lang="ko-KR" altLang="en-US" smtClean="0"/>
-              <a:t>2019-07-30</a:t>
+              <a:t>2019-08-19</a:t>
             </a:fld>
             <a:endParaRPr lang="ko-KR" altLang="en-US"/>
           </a:p>
@@ -828,7 +828,7 @@
           <a:p>
             <a:fld id="{FB30EDBD-1C2D-4C1E-B459-B60219FAB484}" type="datetimeFigureOut">
               <a:rPr lang="ko-KR" altLang="en-US" smtClean="0"/>
-              <a:t>2019-07-30</a:t>
+              <a:t>2019-08-19</a:t>
             </a:fld>
             <a:endParaRPr lang="ko-KR" altLang="en-US"/>
           </a:p>
@@ -991,7 +991,7 @@
           <a:p>
             <a:fld id="{FB30EDBD-1C2D-4C1E-B459-B60219FAB484}" type="datetimeFigureOut">
               <a:rPr lang="ko-KR" altLang="en-US" smtClean="0"/>
-              <a:t>2019-07-30</a:t>
+              <a:t>2019-08-19</a:t>
             </a:fld>
             <a:endParaRPr lang="ko-KR" altLang="en-US"/>
           </a:p>
@@ -1164,7 +1164,7 @@
           <a:p>
             <a:fld id="{FB30EDBD-1C2D-4C1E-B459-B60219FAB484}" type="datetimeFigureOut">
               <a:rPr lang="ko-KR" altLang="en-US" smtClean="0"/>
-              <a:t>2019-07-30</a:t>
+              <a:t>2019-08-19</a:t>
             </a:fld>
             <a:endParaRPr lang="ko-KR" altLang="en-US"/>
           </a:p>
@@ -1327,7 +1327,7 @@
           <a:p>
             <a:fld id="{FB30EDBD-1C2D-4C1E-B459-B60219FAB484}" type="datetimeFigureOut">
               <a:rPr lang="ko-KR" altLang="en-US" smtClean="0"/>
-              <a:t>2019-07-30</a:t>
+              <a:t>2019-08-19</a:t>
             </a:fld>
             <a:endParaRPr lang="ko-KR" altLang="en-US"/>
           </a:p>
@@ -1567,7 +1567,7 @@
           <a:p>
             <a:fld id="{FB30EDBD-1C2D-4C1E-B459-B60219FAB484}" type="datetimeFigureOut">
               <a:rPr lang="ko-KR" altLang="en-US" smtClean="0"/>
-              <a:t>2019-07-30</a:t>
+              <a:t>2019-08-19</a:t>
             </a:fld>
             <a:endParaRPr lang="ko-KR" altLang="en-US"/>
           </a:p>
@@ -1847,7 +1847,7 @@
           <a:p>
             <a:fld id="{FB30EDBD-1C2D-4C1E-B459-B60219FAB484}" type="datetimeFigureOut">
               <a:rPr lang="ko-KR" altLang="en-US" smtClean="0"/>
-              <a:t>2019-07-30</a:t>
+              <a:t>2019-08-19</a:t>
             </a:fld>
             <a:endParaRPr lang="ko-KR" altLang="en-US"/>
           </a:p>
@@ -2261,7 +2261,7 @@
           <a:p>
             <a:fld id="{FB30EDBD-1C2D-4C1E-B459-B60219FAB484}" type="datetimeFigureOut">
               <a:rPr lang="ko-KR" altLang="en-US" smtClean="0"/>
-              <a:t>2019-07-30</a:t>
+              <a:t>2019-08-19</a:t>
             </a:fld>
             <a:endParaRPr lang="ko-KR" altLang="en-US"/>
           </a:p>
@@ -2373,7 +2373,7 @@
           <a:p>
             <a:fld id="{FB30EDBD-1C2D-4C1E-B459-B60219FAB484}" type="datetimeFigureOut">
               <a:rPr lang="ko-KR" altLang="en-US" smtClean="0"/>
-              <a:t>2019-07-30</a:t>
+              <a:t>2019-08-19</a:t>
             </a:fld>
             <a:endParaRPr lang="ko-KR" altLang="en-US"/>
           </a:p>
@@ -2463,7 +2463,7 @@
           <a:p>
             <a:fld id="{FB30EDBD-1C2D-4C1E-B459-B60219FAB484}" type="datetimeFigureOut">
               <a:rPr lang="ko-KR" altLang="en-US" smtClean="0"/>
-              <a:t>2019-07-30</a:t>
+              <a:t>2019-08-19</a:t>
             </a:fld>
             <a:endParaRPr lang="ko-KR" altLang="en-US"/>
           </a:p>
@@ -2733,7 +2733,7 @@
           <a:p>
             <a:fld id="{FB30EDBD-1C2D-4C1E-B459-B60219FAB484}" type="datetimeFigureOut">
               <a:rPr lang="ko-KR" altLang="en-US" smtClean="0"/>
-              <a:t>2019-07-30</a:t>
+              <a:t>2019-08-19</a:t>
             </a:fld>
             <a:endParaRPr lang="ko-KR" altLang="en-US"/>
           </a:p>
@@ -2980,7 +2980,7 @@
           <a:p>
             <a:fld id="{FB30EDBD-1C2D-4C1E-B459-B60219FAB484}" type="datetimeFigureOut">
               <a:rPr lang="ko-KR" altLang="en-US" smtClean="0"/>
-              <a:t>2019-07-30</a:t>
+              <a:t>2019-08-19</a:t>
             </a:fld>
             <a:endParaRPr lang="ko-KR" altLang="en-US"/>
           </a:p>
@@ -3186,7 +3186,7 @@
           <a:p>
             <a:fld id="{FB30EDBD-1C2D-4C1E-B459-B60219FAB484}" type="datetimeFigureOut">
               <a:rPr lang="ko-KR" altLang="en-US" smtClean="0"/>
-              <a:t>2019-07-30</a:t>
+              <a:t>2019-08-19</a:t>
             </a:fld>
             <a:endParaRPr lang="ko-KR" altLang="en-US"/>
           </a:p>
@@ -4210,7 +4210,14 @@
             <a:pPr algn="ctr"/>
             <a:r>
               <a:rPr lang="en-US" altLang="ko-KR" sz="1200" b="1"/>
-              <a:t>VM 09 : Deploy</a:t>
+              <a:t>VM 03 : ETCD 03, </a:t>
+            </a:r>
+          </a:p>
+          <a:p>
+            <a:pPr algn="ctr"/>
+            <a:r>
+              <a:rPr lang="en-US" altLang="ko-KR" sz="1200" b="1"/>
+              <a:t>Slave 03</a:t>
             </a:r>
             <a:endParaRPr lang="en-US" altLang="ko-KR" sz="1200" b="1" dirty="0"/>
           </a:p>
@@ -4268,7 +4275,7 @@
             <a:pPr algn="ctr"/>
             <a:r>
               <a:rPr lang="en-US" altLang="ko-KR" sz="1100"/>
-              <a:t> 30.0.0.19</a:t>
+              <a:t> 30.0.0.13</a:t>
             </a:r>
             <a:endParaRPr lang="en-US" altLang="ko-KR" sz="1100" dirty="0"/>
           </a:p>
@@ -4520,122 +4527,6 @@
       </p:sp>
       <p:sp>
         <p:nvSpPr>
-          <p:cNvPr id="79" name="모서리가 둥근 직사각형 47">
-            <a:extLst>
-              <a:ext uri="{FF2B5EF4-FFF2-40B4-BE49-F238E27FC236}">
-                <a16:creationId xmlns:a16="http://schemas.microsoft.com/office/drawing/2014/main" id="{ED6DAF72-19E9-4C01-804C-CA3CF8B52122}"/>
-              </a:ext>
-            </a:extLst>
-          </p:cNvPr>
-          <p:cNvSpPr/>
-          <p:nvPr/>
-        </p:nvSpPr>
-        <p:spPr>
-          <a:xfrm>
-            <a:off x="3460444" y="2464464"/>
-            <a:ext cx="1715096" cy="1101456"/>
-          </a:xfrm>
-          <a:prstGeom prst="roundRect">
-            <a:avLst>
-              <a:gd name="adj" fmla="val 11578"/>
-            </a:avLst>
-          </a:prstGeom>
-          <a:noFill/>
-        </p:spPr>
-        <p:style>
-          <a:lnRef idx="2">
-            <a:schemeClr val="dk1"/>
-          </a:lnRef>
-          <a:fillRef idx="1">
-            <a:schemeClr val="lt1"/>
-          </a:fillRef>
-          <a:effectRef idx="0">
-            <a:schemeClr val="dk1"/>
-          </a:effectRef>
-          <a:fontRef idx="minor">
-            <a:schemeClr val="dk1"/>
-          </a:fontRef>
-        </p:style>
-        <p:txBody>
-          <a:bodyPr rtlCol="0" anchor="t"/>
-          <a:lstStyle/>
-          <a:p>
-            <a:pPr algn="ctr"/>
-            <a:r>
-              <a:rPr lang="en-US" altLang="ko-KR" sz="1200" b="1"/>
-              <a:t>VM 03 : ETCD 03, </a:t>
-            </a:r>
-          </a:p>
-          <a:p>
-            <a:pPr algn="ctr"/>
-            <a:r>
-              <a:rPr lang="en-US" altLang="ko-KR" sz="1200" b="1"/>
-              <a:t>Slave 03</a:t>
-            </a:r>
-            <a:endParaRPr lang="en-US" altLang="ko-KR" sz="1200" b="1" dirty="0"/>
-          </a:p>
-        </p:txBody>
-      </p:sp>
-      <p:sp>
-        <p:nvSpPr>
-          <p:cNvPr id="80" name="모서리가 둥근 직사각형 23">
-            <a:extLst>
-              <a:ext uri="{FF2B5EF4-FFF2-40B4-BE49-F238E27FC236}">
-                <a16:creationId xmlns:a16="http://schemas.microsoft.com/office/drawing/2014/main" id="{F6302F40-F46A-4196-8153-C0624B603047}"/>
-              </a:ext>
-            </a:extLst>
-          </p:cNvPr>
-          <p:cNvSpPr/>
-          <p:nvPr/>
-        </p:nvSpPr>
-        <p:spPr>
-          <a:xfrm>
-            <a:off x="3771524" y="2960828"/>
-            <a:ext cx="1092935" cy="504056"/>
-          </a:xfrm>
-          <a:prstGeom prst="roundRect">
-            <a:avLst>
-              <a:gd name="adj" fmla="val 11578"/>
-            </a:avLst>
-          </a:prstGeom>
-          <a:noFill/>
-        </p:spPr>
-        <p:style>
-          <a:lnRef idx="2">
-            <a:schemeClr val="dk1"/>
-          </a:lnRef>
-          <a:fillRef idx="1">
-            <a:schemeClr val="lt1"/>
-          </a:fillRef>
-          <a:effectRef idx="0">
-            <a:schemeClr val="dk1"/>
-          </a:effectRef>
-          <a:fontRef idx="minor">
-            <a:schemeClr val="dk1"/>
-          </a:fontRef>
-        </p:style>
-        <p:txBody>
-          <a:bodyPr rtlCol="0" anchor="ctr"/>
-          <a:lstStyle/>
-          <a:p>
-            <a:pPr algn="ctr"/>
-            <a:r>
-              <a:rPr lang="en-US" altLang="ko-KR" sz="1100"/>
-              <a:t>eth0</a:t>
-            </a:r>
-          </a:p>
-          <a:p>
-            <a:pPr algn="ctr"/>
-            <a:r>
-              <a:rPr lang="en-US" altLang="ko-KR" sz="1100"/>
-              <a:t> 30.0.0.13</a:t>
-            </a:r>
-            <a:endParaRPr lang="en-US" altLang="ko-KR" sz="1100" dirty="0"/>
-          </a:p>
-        </p:txBody>
-      </p:sp>
-      <p:sp>
-        <p:nvSpPr>
           <p:cNvPr id="81" name="모서리가 둥근 직사각형 47">
             <a:extLst>
               <a:ext uri="{FF2B5EF4-FFF2-40B4-BE49-F238E27FC236}">
@@ -4751,51 +4642,6 @@
           </a:p>
         </p:txBody>
       </p:sp>
-      <p:cxnSp>
-        <p:nvCxnSpPr>
-          <p:cNvPr id="83" name="직선 연결선 82">
-            <a:extLst>
-              <a:ext uri="{FF2B5EF4-FFF2-40B4-BE49-F238E27FC236}">
-                <a16:creationId xmlns:a16="http://schemas.microsoft.com/office/drawing/2014/main" id="{9E22537C-D051-439F-85FE-787FF0E22C8F}"/>
-              </a:ext>
-            </a:extLst>
-          </p:cNvPr>
-          <p:cNvCxnSpPr>
-            <a:cxnSpLocks/>
-            <a:stCxn id="80" idx="2"/>
-            <a:endCxn id="48" idx="0"/>
-          </p:cNvCxnSpPr>
-          <p:nvPr/>
-        </p:nvCxnSpPr>
-        <p:spPr>
-          <a:xfrm>
-            <a:off x="4317992" y="3464884"/>
-            <a:ext cx="2915987" cy="947958"/>
-          </a:xfrm>
-          <a:prstGeom prst="line">
-            <a:avLst/>
-          </a:prstGeom>
-          <a:ln w="28575">
-            <a:solidFill>
-              <a:schemeClr val="tx2"/>
-            </a:solidFill>
-          </a:ln>
-        </p:spPr>
-        <p:style>
-          <a:lnRef idx="1">
-            <a:schemeClr val="accent1"/>
-          </a:lnRef>
-          <a:fillRef idx="0">
-            <a:schemeClr val="accent1"/>
-          </a:fillRef>
-          <a:effectRef idx="0">
-            <a:schemeClr val="accent1"/>
-          </a:effectRef>
-          <a:fontRef idx="minor">
-            <a:schemeClr val="tx1"/>
-          </a:fontRef>
-        </p:style>
-      </p:cxnSp>
       <p:cxnSp>
         <p:nvCxnSpPr>
           <p:cNvPr id="84" name="직선 연결선 83">

--- a/images/record/Kubernetes_kubeadm_external_cloud_provider_Ubuntu_18.04_OpenStack/Kubernetes_Install.pptx
+++ b/images/record/Kubernetes_kubeadm_external_cloud_provider_Ubuntu_18.04_OpenStack/Kubernetes_Install.pptx
@@ -214,7 +214,7 @@
           <a:p>
             <a:fld id="{6CD5550B-26C4-49A9-A5BA-636EF7BE6CE9}" type="datetimeFigureOut">
               <a:rPr lang="ko-KR" altLang="en-US" smtClean="0"/>
-              <a:t>2019-08-19</a:t>
+              <a:t>2019-08-21</a:t>
             </a:fld>
             <a:endParaRPr lang="ko-KR" altLang="en-US"/>
           </a:p>
@@ -828,7 +828,7 @@
           <a:p>
             <a:fld id="{FB30EDBD-1C2D-4C1E-B459-B60219FAB484}" type="datetimeFigureOut">
               <a:rPr lang="ko-KR" altLang="en-US" smtClean="0"/>
-              <a:t>2019-08-19</a:t>
+              <a:t>2019-08-21</a:t>
             </a:fld>
             <a:endParaRPr lang="ko-KR" altLang="en-US"/>
           </a:p>
@@ -991,7 +991,7 @@
           <a:p>
             <a:fld id="{FB30EDBD-1C2D-4C1E-B459-B60219FAB484}" type="datetimeFigureOut">
               <a:rPr lang="ko-KR" altLang="en-US" smtClean="0"/>
-              <a:t>2019-08-19</a:t>
+              <a:t>2019-08-21</a:t>
             </a:fld>
             <a:endParaRPr lang="ko-KR" altLang="en-US"/>
           </a:p>
@@ -1164,7 +1164,7 @@
           <a:p>
             <a:fld id="{FB30EDBD-1C2D-4C1E-B459-B60219FAB484}" type="datetimeFigureOut">
               <a:rPr lang="ko-KR" altLang="en-US" smtClean="0"/>
-              <a:t>2019-08-19</a:t>
+              <a:t>2019-08-21</a:t>
             </a:fld>
             <a:endParaRPr lang="ko-KR" altLang="en-US"/>
           </a:p>
@@ -1327,7 +1327,7 @@
           <a:p>
             <a:fld id="{FB30EDBD-1C2D-4C1E-B459-B60219FAB484}" type="datetimeFigureOut">
               <a:rPr lang="ko-KR" altLang="en-US" smtClean="0"/>
-              <a:t>2019-08-19</a:t>
+              <a:t>2019-08-21</a:t>
             </a:fld>
             <a:endParaRPr lang="ko-KR" altLang="en-US"/>
           </a:p>
@@ -1567,7 +1567,7 @@
           <a:p>
             <a:fld id="{FB30EDBD-1C2D-4C1E-B459-B60219FAB484}" type="datetimeFigureOut">
               <a:rPr lang="ko-KR" altLang="en-US" smtClean="0"/>
-              <a:t>2019-08-19</a:t>
+              <a:t>2019-08-21</a:t>
             </a:fld>
             <a:endParaRPr lang="ko-KR" altLang="en-US"/>
           </a:p>
@@ -1847,7 +1847,7 @@
           <a:p>
             <a:fld id="{FB30EDBD-1C2D-4C1E-B459-B60219FAB484}" type="datetimeFigureOut">
               <a:rPr lang="ko-KR" altLang="en-US" smtClean="0"/>
-              <a:t>2019-08-19</a:t>
+              <a:t>2019-08-21</a:t>
             </a:fld>
             <a:endParaRPr lang="ko-KR" altLang="en-US"/>
           </a:p>
@@ -2261,7 +2261,7 @@
           <a:p>
             <a:fld id="{FB30EDBD-1C2D-4C1E-B459-B60219FAB484}" type="datetimeFigureOut">
               <a:rPr lang="ko-KR" altLang="en-US" smtClean="0"/>
-              <a:t>2019-08-19</a:t>
+              <a:t>2019-08-21</a:t>
             </a:fld>
             <a:endParaRPr lang="ko-KR" altLang="en-US"/>
           </a:p>
@@ -2373,7 +2373,7 @@
           <a:p>
             <a:fld id="{FB30EDBD-1C2D-4C1E-B459-B60219FAB484}" type="datetimeFigureOut">
               <a:rPr lang="ko-KR" altLang="en-US" smtClean="0"/>
-              <a:t>2019-08-19</a:t>
+              <a:t>2019-08-21</a:t>
             </a:fld>
             <a:endParaRPr lang="ko-KR" altLang="en-US"/>
           </a:p>
@@ -2463,7 +2463,7 @@
           <a:p>
             <a:fld id="{FB30EDBD-1C2D-4C1E-B459-B60219FAB484}" type="datetimeFigureOut">
               <a:rPr lang="ko-KR" altLang="en-US" smtClean="0"/>
-              <a:t>2019-08-19</a:t>
+              <a:t>2019-08-21</a:t>
             </a:fld>
             <a:endParaRPr lang="ko-KR" altLang="en-US"/>
           </a:p>
@@ -2733,7 +2733,7 @@
           <a:p>
             <a:fld id="{FB30EDBD-1C2D-4C1E-B459-B60219FAB484}" type="datetimeFigureOut">
               <a:rPr lang="ko-KR" altLang="en-US" smtClean="0"/>
-              <a:t>2019-08-19</a:t>
+              <a:t>2019-08-21</a:t>
             </a:fld>
             <a:endParaRPr lang="ko-KR" altLang="en-US"/>
           </a:p>
@@ -2980,7 +2980,7 @@
           <a:p>
             <a:fld id="{FB30EDBD-1C2D-4C1E-B459-B60219FAB484}" type="datetimeFigureOut">
               <a:rPr lang="ko-KR" altLang="en-US" smtClean="0"/>
-              <a:t>2019-08-19</a:t>
+              <a:t>2019-08-21</a:t>
             </a:fld>
             <a:endParaRPr lang="ko-KR" altLang="en-US"/>
           </a:p>
@@ -3186,7 +3186,7 @@
           <a:p>
             <a:fld id="{FB30EDBD-1C2D-4C1E-B459-B60219FAB484}" type="datetimeFigureOut">
               <a:rPr lang="ko-KR" altLang="en-US" smtClean="0"/>
-              <a:t>2019-08-19</a:t>
+              <a:t>2019-08-21</a:t>
             </a:fld>
             <a:endParaRPr lang="ko-KR" altLang="en-US"/>
           </a:p>
@@ -4210,14 +4210,7 @@
             <a:pPr algn="ctr"/>
             <a:r>
               <a:rPr lang="en-US" altLang="ko-KR" sz="1200" b="1"/>
-              <a:t>VM 03 : ETCD 03, </a:t>
-            </a:r>
-          </a:p>
-          <a:p>
-            <a:pPr algn="ctr"/>
-            <a:r>
-              <a:rPr lang="en-US" altLang="ko-KR" sz="1200" b="1"/>
-              <a:t>Slave 03</a:t>
+              <a:t>VM 03 : Slave 02</a:t>
             </a:r>
             <a:endParaRPr lang="en-US" altLang="ko-KR" sz="1200" b="1" dirty="0"/>
           </a:p>
@@ -4326,14 +4319,7 @@
             <a:pPr algn="ctr"/>
             <a:r>
               <a:rPr lang="en-US" altLang="ko-KR" sz="1200" b="1"/>
-              <a:t>VM 02 : ETCD 02, </a:t>
-            </a:r>
-          </a:p>
-          <a:p>
-            <a:pPr algn="ctr"/>
-            <a:r>
-              <a:rPr lang="en-US" altLang="ko-KR" sz="1200" b="1"/>
-              <a:t>Master 02, Slave 02</a:t>
+              <a:t>VM 02 : Slave 01</a:t>
             </a:r>
             <a:endParaRPr lang="en-US" altLang="ko-KR" sz="1200" b="1" dirty="0"/>
           </a:p>
@@ -4577,7 +4563,7 @@
             <a:pPr algn="ctr"/>
             <a:r>
               <a:rPr lang="en-US" altLang="ko-KR" sz="1200" b="1"/>
-              <a:t>Master 01, Slave 01</a:t>
+              <a:t>Master 01</a:t>
             </a:r>
             <a:endParaRPr lang="en-US" altLang="ko-KR" sz="1200" b="1" dirty="0"/>
           </a:p>
